--- a/Python-Web-Crawler.pptx
+++ b/Python-Web-Crawler.pptx
@@ -227,7 +227,7 @@
           <a:p>
             <a:fld id="{9B9BB65A-9694-4378-BFCD-AAC1A36774CD}" type="datetimeFigureOut">
               <a:rPr lang="zh-CN" altLang="en-US" smtClean="0"/>
-              <a:t>2020/9/23</a:t>
+              <a:t>2020/9/24</a:t>
             </a:fld>
             <a:endParaRPr lang="zh-CN" altLang="en-US"/>
           </a:p>
@@ -13448,19 +13448,7 @@
                 <a:latin typeface="微软雅黑" pitchFamily="34" charset="-122"/>
                 <a:ea typeface="微软雅黑" pitchFamily="34" charset="-122"/>
               </a:rPr>
-              <a:t>标准可以</a:t>
-            </a:r>
-            <a:r>
-              <a:rPr lang="zh-CN" altLang="en-US" sz="1600">
-                <a:solidFill>
-                  <a:schemeClr val="accent5">
-                    <a:lumMod val="75000"/>
-                  </a:schemeClr>
-                </a:solidFill>
-                <a:latin typeface="微软雅黑" pitchFamily="34" charset="-122"/>
-                <a:ea typeface="微软雅黑" pitchFamily="34" charset="-122"/>
-              </a:rPr>
-              <a:t>分为</a:t>
+              <a:t>标准可以分为</a:t>
             </a:r>
             <a:r>
               <a:rPr lang="en-US" altLang="zh-CN" sz="1600" smtClean="0">
@@ -14174,19 +14162,7 @@
                 <a:latin typeface="微软雅黑" pitchFamily="34" charset="-122"/>
                 <a:ea typeface="微软雅黑" pitchFamily="34" charset="-122"/>
               </a:rPr>
-              <a:t>进行访问，并且能</a:t>
-            </a:r>
-            <a:r>
-              <a:rPr lang="zh-CN" altLang="en-US" sz="1600">
-                <a:solidFill>
-                  <a:schemeClr val="accent5">
-                    <a:lumMod val="75000"/>
-                  </a:schemeClr>
-                </a:solidFill>
-                <a:latin typeface="微软雅黑" pitchFamily="34" charset="-122"/>
-                <a:ea typeface="微软雅黑" pitchFamily="34" charset="-122"/>
-              </a:rPr>
-              <a:t>被</a:t>
+              <a:t>进行访问，并且能被</a:t>
             </a:r>
             <a:r>
               <a:rPr lang="zh-CN" altLang="en-US" sz="1600" smtClean="0">
@@ -15037,19 +15013,7 @@
                 <a:latin typeface="微软雅黑" pitchFamily="34" charset="-122"/>
                 <a:ea typeface="微软雅黑" pitchFamily="34" charset="-122"/>
               </a:rPr>
-              <a:t>种方式</a:t>
-            </a:r>
-            <a:r>
-              <a:rPr lang="zh-CN" altLang="en-US" sz="1600" smtClean="0">
-                <a:solidFill>
-                  <a:schemeClr val="accent5">
-                    <a:lumMod val="75000"/>
-                  </a:schemeClr>
-                </a:solidFill>
-                <a:latin typeface="微软雅黑" pitchFamily="34" charset="-122"/>
-                <a:ea typeface="微软雅黑" pitchFamily="34" charset="-122"/>
-              </a:rPr>
-              <a:t>引入网页中：</a:t>
+              <a:t>种方式引入网页中：</a:t>
             </a:r>
             <a:endParaRPr lang="en-US" altLang="zh-CN" sz="1600" smtClean="0">
               <a:solidFill>
@@ -15102,19 +15066,7 @@
                 <a:latin typeface="微软雅黑" pitchFamily="34" charset="-122"/>
                 <a:ea typeface="微软雅黑" pitchFamily="34" charset="-122"/>
               </a:rPr>
-              <a:t>属性</a:t>
-            </a:r>
-            <a:r>
-              <a:rPr lang="zh-CN" altLang="en-US" sz="1600">
-                <a:solidFill>
-                  <a:schemeClr val="accent5">
-                    <a:lumMod val="75000"/>
-                  </a:schemeClr>
-                </a:solidFill>
-                <a:latin typeface="微软雅黑" pitchFamily="34" charset="-122"/>
-                <a:ea typeface="微软雅黑" pitchFamily="34" charset="-122"/>
-              </a:rPr>
-              <a:t>来</a:t>
+              <a:t>属性来</a:t>
             </a:r>
             <a:r>
               <a:rPr lang="zh-CN" altLang="en-US" sz="1600" smtClean="0">
@@ -15244,7 +15196,7 @@
                 <a:latin typeface="微软雅黑" pitchFamily="34" charset="-122"/>
                 <a:ea typeface="微软雅黑" pitchFamily="34" charset="-122"/>
               </a:rPr>
-              <a:t>linke</a:t>
+              <a:t>link</a:t>
             </a:r>
             <a:r>
               <a:rPr lang="zh-CN" altLang="en-US" sz="1600" smtClean="0">
@@ -15256,7 +15208,19 @@
                 <a:latin typeface="微软雅黑" pitchFamily="34" charset="-122"/>
                 <a:ea typeface="微软雅黑" pitchFamily="34" charset="-122"/>
               </a:rPr>
-              <a:t>标签引入外部的</a:t>
+              <a:t>标签</a:t>
+            </a:r>
+            <a:r>
+              <a:rPr lang="zh-CN" altLang="en-US" sz="1600" smtClean="0">
+                <a:solidFill>
+                  <a:schemeClr val="accent5">
+                    <a:lumMod val="75000"/>
+                  </a:schemeClr>
+                </a:solidFill>
+                <a:latin typeface="微软雅黑" pitchFamily="34" charset="-122"/>
+                <a:ea typeface="微软雅黑" pitchFamily="34" charset="-122"/>
+              </a:rPr>
+              <a:t>引入外部的</a:t>
             </a:r>
             <a:r>
               <a:rPr lang="en-US" altLang="zh-CN" sz="1600" smtClean="0">
@@ -16727,7 +16691,19 @@
                 <a:latin typeface="微软雅黑" pitchFamily="34" charset="-122"/>
                 <a:ea typeface="微软雅黑" pitchFamily="34" charset="-122"/>
               </a:rPr>
-              <a:t>，是一种脚本语言</a:t>
+              <a:t>，是一种脚本语言。</a:t>
+            </a:r>
+            <a:r>
+              <a:rPr lang="en-US" altLang="zh-CN" sz="1600" smtClean="0">
+                <a:solidFill>
+                  <a:schemeClr val="accent5">
+                    <a:lumMod val="75000"/>
+                  </a:schemeClr>
+                </a:solidFill>
+                <a:latin typeface="微软雅黑" pitchFamily="34" charset="-122"/>
+                <a:ea typeface="微软雅黑" pitchFamily="34" charset="-122"/>
+              </a:rPr>
+              <a:t>JS</a:t>
             </a:r>
             <a:r>
               <a:rPr lang="zh-CN" altLang="en-US" sz="1600" smtClean="0">
@@ -16739,30 +16715,6 @@
                 <a:latin typeface="微软雅黑" pitchFamily="34" charset="-122"/>
                 <a:ea typeface="微软雅黑" pitchFamily="34" charset="-122"/>
               </a:rPr>
-              <a:t>。</a:t>
-            </a:r>
-            <a:r>
-              <a:rPr lang="en-US" altLang="zh-CN" sz="1600" smtClean="0">
-                <a:solidFill>
-                  <a:schemeClr val="accent5">
-                    <a:lumMod val="75000"/>
-                  </a:schemeClr>
-                </a:solidFill>
-                <a:latin typeface="微软雅黑" pitchFamily="34" charset="-122"/>
-                <a:ea typeface="微软雅黑" pitchFamily="34" charset="-122"/>
-              </a:rPr>
-              <a:t>JS</a:t>
-            </a:r>
-            <a:r>
-              <a:rPr lang="zh-CN" altLang="en-US" sz="1600" smtClean="0">
-                <a:solidFill>
-                  <a:schemeClr val="accent5">
-                    <a:lumMod val="75000"/>
-                  </a:schemeClr>
-                </a:solidFill>
-                <a:latin typeface="微软雅黑" pitchFamily="34" charset="-122"/>
-                <a:ea typeface="微软雅黑" pitchFamily="34" charset="-122"/>
-              </a:rPr>
               <a:t>为网页提供了实时、动态、交互的功能，</a:t>
             </a:r>
             <a:r>
@@ -16775,19 +16727,7 @@
                 <a:latin typeface="微软雅黑" pitchFamily="34" charset="-122"/>
                 <a:ea typeface="微软雅黑" pitchFamily="34" charset="-122"/>
               </a:rPr>
-              <a:t>使得网页浏览的体验更加友好</a:t>
-            </a:r>
-            <a:r>
-              <a:rPr lang="zh-CN" altLang="en-US" sz="1600">
-                <a:solidFill>
-                  <a:schemeClr val="accent5">
-                    <a:lumMod val="75000"/>
-                  </a:schemeClr>
-                </a:solidFill>
-                <a:latin typeface="微软雅黑" pitchFamily="34" charset="-122"/>
-                <a:ea typeface="微软雅黑" pitchFamily="34" charset="-122"/>
-              </a:rPr>
-              <a:t>、</a:t>
+              <a:t>使得网页浏览的体验更加友好、</a:t>
             </a:r>
             <a:r>
               <a:rPr lang="zh-CN" altLang="en-US" sz="1600" smtClean="0">
@@ -23233,7 +23173,31 @@
                 <a:latin typeface="微软雅黑" pitchFamily="34" charset="-122"/>
                 <a:ea typeface="微软雅黑" pitchFamily="34" charset="-122"/>
               </a:rPr>
-              <a:t>，让服务器误以为是另一个不同的客户端在请求。这样在爬曲过程中不断更换代理，就可轻易越过</a:t>
+              <a:t>，让服务器误以为是另一个不同的客户端在请求。这样在</a:t>
+            </a:r>
+            <a:r>
+              <a:rPr lang="zh-CN" altLang="en-US" sz="1600" smtClean="0">
+                <a:solidFill>
+                  <a:schemeClr val="accent5">
+                    <a:lumMod val="75000"/>
+                  </a:schemeClr>
+                </a:solidFill>
+                <a:latin typeface="微软雅黑" pitchFamily="34" charset="-122"/>
+                <a:ea typeface="微软雅黑" pitchFamily="34" charset="-122"/>
+              </a:rPr>
+              <a:t>爬取过程</a:t>
+            </a:r>
+            <a:r>
+              <a:rPr lang="zh-CN" altLang="en-US" sz="1600" smtClean="0">
+                <a:solidFill>
+                  <a:schemeClr val="accent5">
+                    <a:lumMod val="75000"/>
+                  </a:schemeClr>
+                </a:solidFill>
+                <a:latin typeface="微软雅黑" pitchFamily="34" charset="-122"/>
+                <a:ea typeface="微软雅黑" pitchFamily="34" charset="-122"/>
+              </a:rPr>
+              <a:t>中不断更换代理，就可轻易越过</a:t>
             </a:r>
             <a:r>
               <a:rPr lang="en-US" altLang="zh-CN" sz="1600" smtClean="0">

--- a/Python-Web-Crawler.pptx
+++ b/Python-Web-Crawler.pptx
@@ -5,7 +5,7 @@
     <p:sldMasterId id="2147483648" r:id="rId1"/>
   </p:sldMasterIdLst>
   <p:notesMasterIdLst>
-    <p:notesMasterId r:id="rId55"/>
+    <p:notesMasterId r:id="rId57"/>
   </p:notesMasterIdLst>
   <p:sldIdLst>
     <p:sldId id="256" r:id="rId2"/>
@@ -57,10 +57,12 @@
     <p:sldId id="312" r:id="rId48"/>
     <p:sldId id="313" r:id="rId49"/>
     <p:sldId id="315" r:id="rId50"/>
-    <p:sldId id="316" r:id="rId51"/>
-    <p:sldId id="317" r:id="rId52"/>
-    <p:sldId id="318" r:id="rId53"/>
-    <p:sldId id="259" r:id="rId54"/>
+    <p:sldId id="319" r:id="rId51"/>
+    <p:sldId id="316" r:id="rId52"/>
+    <p:sldId id="317" r:id="rId53"/>
+    <p:sldId id="318" r:id="rId54"/>
+    <p:sldId id="320" r:id="rId55"/>
+    <p:sldId id="259" r:id="rId56"/>
   </p:sldIdLst>
   <p:sldSz cx="9144000" cy="6858000" type="screen4x3"/>
   <p:notesSz cx="6858000" cy="9144000"/>
@@ -244,7 +246,7 @@
           <a:p>
             <a:fld id="{9B9BB65A-9694-4378-BFCD-AAC1A36774CD}" type="datetimeFigureOut">
               <a:rPr lang="zh-CN" altLang="en-US" smtClean="0"/>
-              <a:t>2020/10/10</a:t>
+              <a:t>2020/10/13</a:t>
             </a:fld>
             <a:endParaRPr lang="zh-CN" altLang="en-US"/>
           </a:p>
@@ -4124,6 +4126,90 @@
 </p:notes>
 </file>
 
+<file path=ppt/notesSlides/notesSlide49.xml><?xml version="1.0" encoding="utf-8"?>
+<p:notes xmlns:a="http://schemas.openxmlformats.org/drawingml/2006/main" xmlns:r="http://schemas.openxmlformats.org/officeDocument/2006/relationships" xmlns:p="http://schemas.openxmlformats.org/presentationml/2006/main">
+  <p:cSld>
+    <p:spTree>
+      <p:nvGrpSpPr>
+        <p:cNvPr id="1" name=""/>
+        <p:cNvGrpSpPr/>
+        <p:nvPr/>
+      </p:nvGrpSpPr>
+      <p:grpSpPr>
+        <a:xfrm>
+          <a:off x="0" y="0"/>
+          <a:ext cx="0" cy="0"/>
+          <a:chOff x="0" y="0"/>
+          <a:chExt cx="0" cy="0"/>
+        </a:xfrm>
+      </p:grpSpPr>
+      <p:sp>
+        <p:nvSpPr>
+          <p:cNvPr id="2" name="幻灯片图像占位符 1"/>
+          <p:cNvSpPr>
+            <a:spLocks noGrp="1" noRot="1" noChangeAspect="1"/>
+          </p:cNvSpPr>
+          <p:nvPr>
+            <p:ph type="sldImg"/>
+          </p:nvPr>
+        </p:nvSpPr>
+        <p:spPr/>
+      </p:sp>
+      <p:sp>
+        <p:nvSpPr>
+          <p:cNvPr id="3" name="备注占位符 2"/>
+          <p:cNvSpPr>
+            <a:spLocks noGrp="1"/>
+          </p:cNvSpPr>
+          <p:nvPr>
+            <p:ph type="body" idx="1"/>
+          </p:nvPr>
+        </p:nvSpPr>
+        <p:spPr/>
+        <p:txBody>
+          <a:bodyPr/>
+          <a:lstStyle/>
+          <a:p>
+            <a:endParaRPr lang="zh-CN" altLang="en-US"/>
+          </a:p>
+        </p:txBody>
+      </p:sp>
+      <p:sp>
+        <p:nvSpPr>
+          <p:cNvPr id="4" name="灯片编号占位符 3"/>
+          <p:cNvSpPr>
+            <a:spLocks noGrp="1"/>
+          </p:cNvSpPr>
+          <p:nvPr>
+            <p:ph type="sldNum" sz="quarter" idx="10"/>
+          </p:nvPr>
+        </p:nvSpPr>
+        <p:spPr/>
+        <p:txBody>
+          <a:bodyPr/>
+          <a:lstStyle/>
+          <a:p>
+            <a:fld id="{F4C61C4C-4C18-4A01-AD54-50B462009B3C}" type="slidenum">
+              <a:rPr lang="zh-CN" altLang="en-US" smtClean="0"/>
+              <a:t>53</a:t>
+            </a:fld>
+            <a:endParaRPr lang="zh-CN" altLang="en-US"/>
+          </a:p>
+        </p:txBody>
+      </p:sp>
+    </p:spTree>
+    <p:extLst>
+      <p:ext uri="{BB962C8B-B14F-4D97-AF65-F5344CB8AC3E}">
+        <p14:creationId xmlns:p14="http://schemas.microsoft.com/office/powerpoint/2010/main" val="1668979526"/>
+      </p:ext>
+    </p:extLst>
+  </p:cSld>
+  <p:clrMapOvr>
+    <a:masterClrMapping/>
+  </p:clrMapOvr>
+</p:notes>
+</file>
+
 <file path=ppt/notesSlides/notesSlide5.xml><?xml version="1.0" encoding="utf-8"?>
 <p:notes xmlns:a="http://schemas.openxmlformats.org/drawingml/2006/main" xmlns:r="http://schemas.openxmlformats.org/officeDocument/2006/relationships" xmlns:p="http://schemas.openxmlformats.org/presentationml/2006/main">
   <p:cSld>
@@ -4199,6 +4285,90 @@
     <p:extLst>
       <p:ext uri="{BB962C8B-B14F-4D97-AF65-F5344CB8AC3E}">
         <p14:creationId xmlns:p14="http://schemas.microsoft.com/office/powerpoint/2010/main" val="1668979526"/>
+      </p:ext>
+    </p:extLst>
+  </p:cSld>
+  <p:clrMapOvr>
+    <a:masterClrMapping/>
+  </p:clrMapOvr>
+</p:notes>
+</file>
+
+<file path=ppt/notesSlides/notesSlide50.xml><?xml version="1.0" encoding="utf-8"?>
+<p:notes xmlns:a="http://schemas.openxmlformats.org/drawingml/2006/main" xmlns:r="http://schemas.openxmlformats.org/officeDocument/2006/relationships" xmlns:p="http://schemas.openxmlformats.org/presentationml/2006/main">
+  <p:cSld>
+    <p:spTree>
+      <p:nvGrpSpPr>
+        <p:cNvPr id="1" name=""/>
+        <p:cNvGrpSpPr/>
+        <p:nvPr/>
+      </p:nvGrpSpPr>
+      <p:grpSpPr>
+        <a:xfrm>
+          <a:off x="0" y="0"/>
+          <a:ext cx="0" cy="0"/>
+          <a:chOff x="0" y="0"/>
+          <a:chExt cx="0" cy="0"/>
+        </a:xfrm>
+      </p:grpSpPr>
+      <p:sp>
+        <p:nvSpPr>
+          <p:cNvPr id="2" name="幻灯片图像占位符 1"/>
+          <p:cNvSpPr>
+            <a:spLocks noGrp="1" noRot="1" noChangeAspect="1"/>
+          </p:cNvSpPr>
+          <p:nvPr>
+            <p:ph type="sldImg"/>
+          </p:nvPr>
+        </p:nvSpPr>
+        <p:spPr/>
+      </p:sp>
+      <p:sp>
+        <p:nvSpPr>
+          <p:cNvPr id="3" name="备注占位符 2"/>
+          <p:cNvSpPr>
+            <a:spLocks noGrp="1"/>
+          </p:cNvSpPr>
+          <p:nvPr>
+            <p:ph type="body" idx="1"/>
+          </p:nvPr>
+        </p:nvSpPr>
+        <p:spPr/>
+        <p:txBody>
+          <a:bodyPr/>
+          <a:lstStyle/>
+          <a:p>
+            <a:endParaRPr lang="zh-CN" altLang="en-US"/>
+          </a:p>
+        </p:txBody>
+      </p:sp>
+      <p:sp>
+        <p:nvSpPr>
+          <p:cNvPr id="4" name="灯片编号占位符 3"/>
+          <p:cNvSpPr>
+            <a:spLocks noGrp="1"/>
+          </p:cNvSpPr>
+          <p:nvPr>
+            <p:ph type="sldNum" sz="quarter" idx="10"/>
+          </p:nvPr>
+        </p:nvSpPr>
+        <p:spPr/>
+        <p:txBody>
+          <a:bodyPr/>
+          <a:lstStyle/>
+          <a:p>
+            <a:fld id="{F4C61C4C-4C18-4A01-AD54-50B462009B3C}" type="slidenum">
+              <a:rPr lang="zh-CN" altLang="en-US" smtClean="0"/>
+              <a:t>54</a:t>
+            </a:fld>
+            <a:endParaRPr lang="zh-CN" altLang="en-US"/>
+          </a:p>
+        </p:txBody>
+      </p:sp>
+    </p:spTree>
+    <p:extLst>
+      <p:ext uri="{BB962C8B-B14F-4D97-AF65-F5344CB8AC3E}">
+        <p14:creationId xmlns:p14="http://schemas.microsoft.com/office/powerpoint/2010/main" val="3379401395"/>
       </p:ext>
     </p:extLst>
   </p:cSld>
@@ -36289,134 +36459,6 @@
           </a:p>
         </p:txBody>
       </p:sp>
-      <p:pic>
-        <p:nvPicPr>
-          <p:cNvPr id="12290" name="Picture 2"/>
-          <p:cNvPicPr>
-            <a:picLocks noChangeAspect="1" noChangeArrowheads="1"/>
-          </p:cNvPicPr>
-          <p:nvPr/>
-        </p:nvPicPr>
-        <p:blipFill>
-          <a:blip r:embed="rId3">
-            <a:extLst>
-              <a:ext uri="{28A0092B-C50C-407E-A947-70E740481C1C}">
-                <a14:useLocalDpi xmlns:a14="http://schemas.microsoft.com/office/drawing/2010/main" val="0"/>
-              </a:ext>
-            </a:extLst>
-          </a:blip>
-          <a:srcRect/>
-          <a:stretch>
-            <a:fillRect/>
-          </a:stretch>
-        </p:blipFill>
-        <p:spPr bwMode="auto">
-          <a:xfrm>
-            <a:off x="1043608" y="2322290"/>
-            <a:ext cx="3887871" cy="4231629"/>
-          </a:xfrm>
-          <a:prstGeom prst="rect">
-            <a:avLst/>
-          </a:prstGeom>
-          <a:noFill/>
-          <a:ln>
-            <a:noFill/>
-          </a:ln>
-          <a:effectLst/>
-          <a:extLst>
-            <a:ext uri="{909E8E84-426E-40DD-AFC4-6F175D3DCCD1}">
-              <a14:hiddenFill xmlns:a14="http://schemas.microsoft.com/office/drawing/2010/main">
-                <a:solidFill>
-                  <a:schemeClr val="accent1"/>
-                </a:solidFill>
-              </a14:hiddenFill>
-            </a:ext>
-            <a:ext uri="{91240B29-F687-4F45-9708-019B960494DF}">
-              <a14:hiddenLine xmlns:a14="http://schemas.microsoft.com/office/drawing/2010/main" w="9525">
-                <a:solidFill>
-                  <a:schemeClr val="tx1"/>
-                </a:solidFill>
-                <a:miter lim="800000"/>
-                <a:headEnd/>
-                <a:tailEnd/>
-              </a14:hiddenLine>
-            </a:ext>
-            <a:ext uri="{AF507438-7753-43E0-B8FC-AC1667EBCBE1}">
-              <a14:hiddenEffects xmlns:a14="http://schemas.microsoft.com/office/drawing/2010/main">
-                <a:effectLst>
-                  <a:outerShdw dist="35921" dir="2700000" algn="ctr" rotWithShape="0">
-                    <a:schemeClr val="bg2"/>
-                  </a:outerShdw>
-                </a:effectLst>
-              </a14:hiddenEffects>
-            </a:ext>
-          </a:extLst>
-        </p:spPr>
-      </p:pic>
-      <p:pic>
-        <p:nvPicPr>
-          <p:cNvPr id="12291" name="Picture 3"/>
-          <p:cNvPicPr>
-            <a:picLocks noChangeAspect="1" noChangeArrowheads="1"/>
-          </p:cNvPicPr>
-          <p:nvPr/>
-        </p:nvPicPr>
-        <p:blipFill>
-          <a:blip r:embed="rId4">
-            <a:extLst>
-              <a:ext uri="{28A0092B-C50C-407E-A947-70E740481C1C}">
-                <a14:useLocalDpi xmlns:a14="http://schemas.microsoft.com/office/drawing/2010/main" val="0"/>
-              </a:ext>
-            </a:extLst>
-          </a:blip>
-          <a:srcRect/>
-          <a:stretch>
-            <a:fillRect/>
-          </a:stretch>
-        </p:blipFill>
-        <p:spPr bwMode="auto">
-          <a:xfrm>
-            <a:off x="5199435" y="3557075"/>
-            <a:ext cx="3034654" cy="1762057"/>
-          </a:xfrm>
-          <a:prstGeom prst="rect">
-            <a:avLst/>
-          </a:prstGeom>
-          <a:noFill/>
-          <a:ln>
-            <a:noFill/>
-          </a:ln>
-          <a:effectLst/>
-          <a:extLst>
-            <a:ext uri="{909E8E84-426E-40DD-AFC4-6F175D3DCCD1}">
-              <a14:hiddenFill xmlns:a14="http://schemas.microsoft.com/office/drawing/2010/main">
-                <a:solidFill>
-                  <a:schemeClr val="accent1"/>
-                </a:solidFill>
-              </a14:hiddenFill>
-            </a:ext>
-            <a:ext uri="{91240B29-F687-4F45-9708-019B960494DF}">
-              <a14:hiddenLine xmlns:a14="http://schemas.microsoft.com/office/drawing/2010/main" w="9525">
-                <a:solidFill>
-                  <a:schemeClr val="tx1"/>
-                </a:solidFill>
-                <a:miter lim="800000"/>
-                <a:headEnd/>
-                <a:tailEnd/>
-              </a14:hiddenLine>
-            </a:ext>
-            <a:ext uri="{AF507438-7753-43E0-B8FC-AC1667EBCBE1}">
-              <a14:hiddenEffects xmlns:a14="http://schemas.microsoft.com/office/drawing/2010/main">
-                <a:effectLst>
-                  <a:outerShdw dist="35921" dir="2700000" algn="ctr" rotWithShape="0">
-                    <a:schemeClr val="bg2"/>
-                  </a:outerShdw>
-                </a:effectLst>
-              </a14:hiddenEffects>
-            </a:ext>
-          </a:extLst>
-        </p:spPr>
-      </p:pic>
     </p:spTree>
     <p:extLst>
       <p:ext uri="{BB962C8B-B14F-4D97-AF65-F5344CB8AC3E}">
@@ -36545,204 +36587,6 @@
                                               <p:pRg st="1" end="1"/>
                                             </p:txEl>
                                           </p:spTgt>
-                                        </p:tgtEl>
-                                      </p:cBhvr>
-                                    </p:animEffect>
-                                  </p:childTnLst>
-                                </p:cTn>
-                              </p:par>
-                            </p:childTnLst>
-                          </p:cTn>
-                        </p:par>
-                      </p:childTnLst>
-                    </p:cTn>
-                  </p:par>
-                  <p:par>
-                    <p:cTn id="13" fill="hold">
-                      <p:stCondLst>
-                        <p:cond delay="indefinite"/>
-                      </p:stCondLst>
-                      <p:childTnLst>
-                        <p:par>
-                          <p:cTn id="14" fill="hold">
-                            <p:stCondLst>
-                              <p:cond delay="0"/>
-                            </p:stCondLst>
-                            <p:childTnLst>
-                              <p:par>
-                                <p:cTn id="15" presetID="53" presetClass="entr" presetSubtype="16" fill="hold" nodeType="clickEffect">
-                                  <p:stCondLst>
-                                    <p:cond delay="0"/>
-                                  </p:stCondLst>
-                                  <p:childTnLst>
-                                    <p:set>
-                                      <p:cBhvr>
-                                        <p:cTn id="16" dur="1" fill="hold">
-                                          <p:stCondLst>
-                                            <p:cond delay="0"/>
-                                          </p:stCondLst>
-                                        </p:cTn>
-                                        <p:tgtEl>
-                                          <p:spTgt spid="12290"/>
-                                        </p:tgtEl>
-                                        <p:attrNameLst>
-                                          <p:attrName>style.visibility</p:attrName>
-                                        </p:attrNameLst>
-                                      </p:cBhvr>
-                                      <p:to>
-                                        <p:strVal val="visible"/>
-                                      </p:to>
-                                    </p:set>
-                                    <p:anim calcmode="lin" valueType="num">
-                                      <p:cBhvr>
-                                        <p:cTn id="17" dur="500" fill="hold"/>
-                                        <p:tgtEl>
-                                          <p:spTgt spid="12290"/>
-                                        </p:tgtEl>
-                                        <p:attrNameLst>
-                                          <p:attrName>ppt_w</p:attrName>
-                                        </p:attrNameLst>
-                                      </p:cBhvr>
-                                      <p:tavLst>
-                                        <p:tav tm="0">
-                                          <p:val>
-                                            <p:fltVal val="0"/>
-                                          </p:val>
-                                        </p:tav>
-                                        <p:tav tm="100000">
-                                          <p:val>
-                                            <p:strVal val="#ppt_w"/>
-                                          </p:val>
-                                        </p:tav>
-                                      </p:tavLst>
-                                    </p:anim>
-                                    <p:anim calcmode="lin" valueType="num">
-                                      <p:cBhvr>
-                                        <p:cTn id="18" dur="500" fill="hold"/>
-                                        <p:tgtEl>
-                                          <p:spTgt spid="12290"/>
-                                        </p:tgtEl>
-                                        <p:attrNameLst>
-                                          <p:attrName>ppt_h</p:attrName>
-                                        </p:attrNameLst>
-                                      </p:cBhvr>
-                                      <p:tavLst>
-                                        <p:tav tm="0">
-                                          <p:val>
-                                            <p:fltVal val="0"/>
-                                          </p:val>
-                                        </p:tav>
-                                        <p:tav tm="100000">
-                                          <p:val>
-                                            <p:strVal val="#ppt_h"/>
-                                          </p:val>
-                                        </p:tav>
-                                      </p:tavLst>
-                                    </p:anim>
-                                    <p:animEffect transition="in" filter="fade">
-                                      <p:cBhvr>
-                                        <p:cTn id="19" dur="500"/>
-                                        <p:tgtEl>
-                                          <p:spTgt spid="12290"/>
-                                        </p:tgtEl>
-                                      </p:cBhvr>
-                                    </p:animEffect>
-                                  </p:childTnLst>
-                                </p:cTn>
-                              </p:par>
-                            </p:childTnLst>
-                          </p:cTn>
-                        </p:par>
-                      </p:childTnLst>
-                    </p:cTn>
-                  </p:par>
-                  <p:par>
-                    <p:cTn id="20" fill="hold">
-                      <p:stCondLst>
-                        <p:cond delay="indefinite"/>
-                      </p:stCondLst>
-                      <p:childTnLst>
-                        <p:par>
-                          <p:cTn id="21" fill="hold">
-                            <p:stCondLst>
-                              <p:cond delay="0"/>
-                            </p:stCondLst>
-                            <p:childTnLst>
-                              <p:par>
-                                <p:cTn id="22" presetID="53" presetClass="entr" presetSubtype="16" fill="hold" nodeType="clickEffect">
-                                  <p:stCondLst>
-                                    <p:cond delay="0"/>
-                                  </p:stCondLst>
-                                  <p:childTnLst>
-                                    <p:set>
-                                      <p:cBhvr>
-                                        <p:cTn id="23" dur="1" fill="hold">
-                                          <p:stCondLst>
-                                            <p:cond delay="0"/>
-                                          </p:stCondLst>
-                                        </p:cTn>
-                                        <p:tgtEl>
-                                          <p:spTgt spid="12291"/>
-                                        </p:tgtEl>
-                                        <p:attrNameLst>
-                                          <p:attrName>style.visibility</p:attrName>
-                                        </p:attrNameLst>
-                                      </p:cBhvr>
-                                      <p:to>
-                                        <p:strVal val="visible"/>
-                                      </p:to>
-                                    </p:set>
-                                    <p:anim calcmode="lin" valueType="num">
-                                      <p:cBhvr>
-                                        <p:cTn id="24" dur="500" fill="hold"/>
-                                        <p:tgtEl>
-                                          <p:spTgt spid="12291"/>
-                                        </p:tgtEl>
-                                        <p:attrNameLst>
-                                          <p:attrName>ppt_w</p:attrName>
-                                        </p:attrNameLst>
-                                      </p:cBhvr>
-                                      <p:tavLst>
-                                        <p:tav tm="0">
-                                          <p:val>
-                                            <p:fltVal val="0"/>
-                                          </p:val>
-                                        </p:tav>
-                                        <p:tav tm="100000">
-                                          <p:val>
-                                            <p:strVal val="#ppt_w"/>
-                                          </p:val>
-                                        </p:tav>
-                                      </p:tavLst>
-                                    </p:anim>
-                                    <p:anim calcmode="lin" valueType="num">
-                                      <p:cBhvr>
-                                        <p:cTn id="25" dur="500" fill="hold"/>
-                                        <p:tgtEl>
-                                          <p:spTgt spid="12291"/>
-                                        </p:tgtEl>
-                                        <p:attrNameLst>
-                                          <p:attrName>ppt_h</p:attrName>
-                                        </p:attrNameLst>
-                                      </p:cBhvr>
-                                      <p:tavLst>
-                                        <p:tav tm="0">
-                                          <p:val>
-                                            <p:fltVal val="0"/>
-                                          </p:val>
-                                        </p:tav>
-                                        <p:tav tm="100000">
-                                          <p:val>
-                                            <p:strVal val="#ppt_h"/>
-                                          </p:val>
-                                        </p:tav>
-                                      </p:tavLst>
-                                    </p:anim>
-                                    <p:animEffect transition="in" filter="fade">
-                                      <p:cBhvr>
-                                        <p:cTn id="26" dur="500"/>
-                                        <p:tgtEl>
-                                          <p:spTgt spid="12291"/>
                                         </p:tgtEl>
                                       </p:cBhvr>
                                     </p:animEffect>
@@ -37063,6 +36907,644 @@
 </file>
 
 <file path=ppt/slides/slide50.xml><?xml version="1.0" encoding="utf-8"?>
+<p:sld xmlns:a="http://schemas.openxmlformats.org/drawingml/2006/main" xmlns:r="http://schemas.openxmlformats.org/officeDocument/2006/relationships" xmlns:p="http://schemas.openxmlformats.org/presentationml/2006/main">
+  <p:cSld>
+    <p:spTree>
+      <p:nvGrpSpPr>
+        <p:cNvPr id="1" name=""/>
+        <p:cNvGrpSpPr/>
+        <p:nvPr/>
+      </p:nvGrpSpPr>
+      <p:grpSpPr>
+        <a:xfrm>
+          <a:off x="0" y="0"/>
+          <a:ext cx="0" cy="0"/>
+          <a:chOff x="0" y="0"/>
+          <a:chExt cx="0" cy="0"/>
+        </a:xfrm>
+      </p:grpSpPr>
+      <p:sp>
+        <p:nvSpPr>
+          <p:cNvPr id="11" name="TextBox 10"/>
+          <p:cNvSpPr txBox="1"/>
+          <p:nvPr/>
+        </p:nvSpPr>
+        <p:spPr>
+          <a:xfrm>
+            <a:off x="341916" y="908720"/>
+            <a:ext cx="8208912" cy="562783"/>
+          </a:xfrm>
+          <a:prstGeom prst="rect">
+            <a:avLst/>
+          </a:prstGeom>
+          <a:noFill/>
+        </p:spPr>
+        <p:txBody>
+          <a:bodyPr wrap="square" rtlCol="0">
+            <a:spAutoFit/>
+          </a:bodyPr>
+          <a:lstStyle/>
+          <a:p>
+            <a:pPr latinLnBrk="0">
+              <a:lnSpc>
+                <a:spcPct val="200000"/>
+              </a:lnSpc>
+            </a:pPr>
+            <a:r>
+              <a:rPr lang="zh-CN" altLang="en-US" b="1" smtClean="0">
+                <a:solidFill>
+                  <a:schemeClr val="accent5">
+                    <a:lumMod val="50000"/>
+                  </a:schemeClr>
+                </a:solidFill>
+                <a:latin typeface="微软雅黑" pitchFamily="34" charset="-122"/>
+                <a:ea typeface="微软雅黑" pitchFamily="34" charset="-122"/>
+              </a:rPr>
+              <a:t>正则表达式</a:t>
+            </a:r>
+            <a:r>
+              <a:rPr lang="en-US" altLang="zh-CN" b="1" smtClean="0">
+                <a:solidFill>
+                  <a:schemeClr val="accent5">
+                    <a:lumMod val="50000"/>
+                  </a:schemeClr>
+                </a:solidFill>
+                <a:latin typeface="微软雅黑" pitchFamily="34" charset="-122"/>
+                <a:ea typeface="微软雅黑" pitchFamily="34" charset="-122"/>
+              </a:rPr>
+              <a:t>—</a:t>
+            </a:r>
+            <a:r>
+              <a:rPr lang="zh-CN" altLang="en-US" b="1" smtClean="0">
+                <a:solidFill>
+                  <a:schemeClr val="accent5">
+                    <a:lumMod val="50000"/>
+                  </a:schemeClr>
+                </a:solidFill>
+                <a:latin typeface="微软雅黑" pitchFamily="34" charset="-122"/>
+                <a:ea typeface="微软雅黑" pitchFamily="34" charset="-122"/>
+              </a:rPr>
+              <a:t>实例</a:t>
+            </a:r>
+            <a:endParaRPr lang="zh-CN" altLang="en-US" b="1" smtClean="0">
+              <a:solidFill>
+                <a:schemeClr val="accent5">
+                  <a:lumMod val="50000"/>
+                </a:schemeClr>
+              </a:solidFill>
+              <a:latin typeface="微软雅黑" pitchFamily="34" charset="-122"/>
+              <a:ea typeface="微软雅黑" pitchFamily="34" charset="-122"/>
+            </a:endParaRPr>
+          </a:p>
+        </p:txBody>
+      </p:sp>
+      <p:sp>
+        <p:nvSpPr>
+          <p:cNvPr id="4" name="AutoShape 2" descr="JavaScript HTML DOM"/>
+          <p:cNvSpPr>
+            <a:spLocks noChangeAspect="1" noChangeArrowheads="1"/>
+          </p:cNvSpPr>
+          <p:nvPr/>
+        </p:nvSpPr>
+        <p:spPr bwMode="auto">
+          <a:xfrm>
+            <a:off x="155575" y="-144463"/>
+            <a:ext cx="304800" cy="304801"/>
+          </a:xfrm>
+          <a:prstGeom prst="rect">
+            <a:avLst/>
+          </a:prstGeom>
+          <a:noFill/>
+          <a:extLst>
+            <a:ext uri="{909E8E84-426E-40DD-AFC4-6F175D3DCCD1}">
+              <a14:hiddenFill xmlns:a14="http://schemas.microsoft.com/office/drawing/2010/main">
+                <a:solidFill>
+                  <a:srgbClr val="FFFFFF"/>
+                </a:solidFill>
+              </a14:hiddenFill>
+            </a:ext>
+          </a:extLst>
+        </p:spPr>
+        <p:txBody>
+          <a:bodyPr vert="horz" wrap="square" lIns="91440" tIns="45720" rIns="91440" bIns="45720" numCol="1" anchor="t" anchorCtr="0" compatLnSpc="1">
+            <a:prstTxWarp prst="textNoShape">
+              <a:avLst/>
+            </a:prstTxWarp>
+          </a:bodyPr>
+          <a:lstStyle/>
+          <a:p>
+            <a:endParaRPr lang="zh-CN" altLang="en-US"/>
+          </a:p>
+        </p:txBody>
+      </p:sp>
+      <p:sp>
+        <p:nvSpPr>
+          <p:cNvPr id="6" name="AutoShape 4" descr="DOM HTML tree"/>
+          <p:cNvSpPr>
+            <a:spLocks noChangeAspect="1" noChangeArrowheads="1"/>
+          </p:cNvSpPr>
+          <p:nvPr/>
+        </p:nvSpPr>
+        <p:spPr bwMode="auto">
+          <a:xfrm>
+            <a:off x="63500" y="-136525"/>
+            <a:ext cx="304800" cy="304800"/>
+          </a:xfrm>
+          <a:prstGeom prst="rect">
+            <a:avLst/>
+          </a:prstGeom>
+          <a:noFill/>
+          <a:extLst>
+            <a:ext uri="{909E8E84-426E-40DD-AFC4-6F175D3DCCD1}">
+              <a14:hiddenFill xmlns:a14="http://schemas.microsoft.com/office/drawing/2010/main">
+                <a:solidFill>
+                  <a:srgbClr val="FFFFFF"/>
+                </a:solidFill>
+              </a14:hiddenFill>
+            </a:ext>
+          </a:extLst>
+        </p:spPr>
+        <p:txBody>
+          <a:bodyPr vert="horz" wrap="square" lIns="91440" tIns="45720" rIns="91440" bIns="45720" numCol="1" anchor="t" anchorCtr="0" compatLnSpc="1">
+            <a:prstTxWarp prst="textNoShape">
+              <a:avLst/>
+            </a:prstTxWarp>
+          </a:bodyPr>
+          <a:lstStyle/>
+          <a:p>
+            <a:endParaRPr lang="zh-CN" altLang="en-US"/>
+          </a:p>
+        </p:txBody>
+      </p:sp>
+      <p:pic>
+        <p:nvPicPr>
+          <p:cNvPr id="9" name="Picture 2"/>
+          <p:cNvPicPr>
+            <a:picLocks noChangeAspect="1" noChangeArrowheads="1"/>
+          </p:cNvPicPr>
+          <p:nvPr/>
+        </p:nvPicPr>
+        <p:blipFill>
+          <a:blip r:embed="rId3">
+            <a:extLst>
+              <a:ext uri="{28A0092B-C50C-407E-A947-70E740481C1C}">
+                <a14:useLocalDpi xmlns:a14="http://schemas.microsoft.com/office/drawing/2010/main" val="0"/>
+              </a:ext>
+            </a:extLst>
+          </a:blip>
+          <a:srcRect/>
+          <a:stretch>
+            <a:fillRect/>
+          </a:stretch>
+        </p:blipFill>
+        <p:spPr bwMode="auto">
+          <a:xfrm>
+            <a:off x="2641385" y="13648"/>
+            <a:ext cx="6295807" cy="6852471"/>
+          </a:xfrm>
+          <a:prstGeom prst="rect">
+            <a:avLst/>
+          </a:prstGeom>
+          <a:noFill/>
+          <a:ln>
+            <a:noFill/>
+          </a:ln>
+          <a:effectLst/>
+          <a:extLst>
+            <a:ext uri="{909E8E84-426E-40DD-AFC4-6F175D3DCCD1}">
+              <a14:hiddenFill xmlns:a14="http://schemas.microsoft.com/office/drawing/2010/main">
+                <a:solidFill>
+                  <a:schemeClr val="accent1"/>
+                </a:solidFill>
+              </a14:hiddenFill>
+            </a:ext>
+            <a:ext uri="{91240B29-F687-4F45-9708-019B960494DF}">
+              <a14:hiddenLine xmlns:a14="http://schemas.microsoft.com/office/drawing/2010/main" w="9525">
+                <a:solidFill>
+                  <a:schemeClr val="tx1"/>
+                </a:solidFill>
+                <a:miter lim="800000"/>
+                <a:headEnd/>
+                <a:tailEnd/>
+              </a14:hiddenLine>
+            </a:ext>
+            <a:ext uri="{AF507438-7753-43E0-B8FC-AC1667EBCBE1}">
+              <a14:hiddenEffects xmlns:a14="http://schemas.microsoft.com/office/drawing/2010/main">
+                <a:effectLst>
+                  <a:outerShdw dist="35921" dir="2700000" algn="ctr" rotWithShape="0">
+                    <a:schemeClr val="bg2"/>
+                  </a:outerShdw>
+                </a:effectLst>
+              </a14:hiddenEffects>
+            </a:ext>
+          </a:extLst>
+        </p:spPr>
+      </p:pic>
+      <p:pic>
+        <p:nvPicPr>
+          <p:cNvPr id="1026" name="Picture 2"/>
+          <p:cNvPicPr>
+            <a:picLocks noChangeAspect="1" noChangeArrowheads="1"/>
+          </p:cNvPicPr>
+          <p:nvPr/>
+        </p:nvPicPr>
+        <p:blipFill>
+          <a:blip r:embed="rId4">
+            <a:extLst>
+              <a:ext uri="{28A0092B-C50C-407E-A947-70E740481C1C}">
+                <a14:useLocalDpi xmlns:a14="http://schemas.microsoft.com/office/drawing/2010/main" val="0"/>
+              </a:ext>
+            </a:extLst>
+          </a:blip>
+          <a:srcRect/>
+          <a:stretch>
+            <a:fillRect/>
+          </a:stretch>
+        </p:blipFill>
+        <p:spPr bwMode="auto">
+          <a:xfrm>
+            <a:off x="1871105" y="1916832"/>
+            <a:ext cx="5725231" cy="3833591"/>
+          </a:xfrm>
+          <a:prstGeom prst="rect">
+            <a:avLst/>
+          </a:prstGeom>
+          <a:noFill/>
+          <a:ln>
+            <a:noFill/>
+          </a:ln>
+          <a:effectLst/>
+          <a:extLst>
+            <a:ext uri="{909E8E84-426E-40DD-AFC4-6F175D3DCCD1}">
+              <a14:hiddenFill xmlns:a14="http://schemas.microsoft.com/office/drawing/2010/main">
+                <a:solidFill>
+                  <a:schemeClr val="accent1"/>
+                </a:solidFill>
+              </a14:hiddenFill>
+            </a:ext>
+            <a:ext uri="{91240B29-F687-4F45-9708-019B960494DF}">
+              <a14:hiddenLine xmlns:a14="http://schemas.microsoft.com/office/drawing/2010/main" w="9525">
+                <a:solidFill>
+                  <a:schemeClr val="tx1"/>
+                </a:solidFill>
+                <a:miter lim="800000"/>
+                <a:headEnd/>
+                <a:tailEnd/>
+              </a14:hiddenLine>
+            </a:ext>
+            <a:ext uri="{AF507438-7753-43E0-B8FC-AC1667EBCBE1}">
+              <a14:hiddenEffects xmlns:a14="http://schemas.microsoft.com/office/drawing/2010/main">
+                <a:effectLst>
+                  <a:outerShdw dist="35921" dir="2700000" algn="ctr" rotWithShape="0">
+                    <a:schemeClr val="bg2"/>
+                  </a:outerShdw>
+                </a:effectLst>
+              </a14:hiddenEffects>
+            </a:ext>
+          </a:extLst>
+        </p:spPr>
+      </p:pic>
+    </p:spTree>
+    <p:extLst>
+      <p:ext uri="{BB962C8B-B14F-4D97-AF65-F5344CB8AC3E}">
+        <p14:creationId xmlns:p14="http://schemas.microsoft.com/office/powerpoint/2010/main" val="2790858734"/>
+      </p:ext>
+    </p:extLst>
+  </p:cSld>
+  <p:clrMapOvr>
+    <a:masterClrMapping/>
+  </p:clrMapOvr>
+  <p:timing>
+    <p:tnLst>
+      <p:par>
+        <p:cTn id="1" dur="indefinite" restart="never" nodeType="tmRoot">
+          <p:childTnLst>
+            <p:seq concurrent="1" nextAc="seek">
+              <p:cTn id="2" dur="indefinite" nodeType="mainSeq">
+                <p:childTnLst>
+                  <p:par>
+                    <p:cTn id="3" fill="hold">
+                      <p:stCondLst>
+                        <p:cond delay="indefinite"/>
+                      </p:stCondLst>
+                      <p:childTnLst>
+                        <p:par>
+                          <p:cTn id="4" fill="hold">
+                            <p:stCondLst>
+                              <p:cond delay="0"/>
+                            </p:stCondLst>
+                            <p:childTnLst>
+                              <p:par>
+                                <p:cTn id="5" presetID="53" presetClass="entr" presetSubtype="16" fill="hold" nodeType="clickEffect">
+                                  <p:stCondLst>
+                                    <p:cond delay="0"/>
+                                  </p:stCondLst>
+                                  <p:childTnLst>
+                                    <p:set>
+                                      <p:cBhvr>
+                                        <p:cTn id="6" dur="1" fill="hold">
+                                          <p:stCondLst>
+                                            <p:cond delay="0"/>
+                                          </p:stCondLst>
+                                        </p:cTn>
+                                        <p:tgtEl>
+                                          <p:spTgt spid="9"/>
+                                        </p:tgtEl>
+                                        <p:attrNameLst>
+                                          <p:attrName>style.visibility</p:attrName>
+                                        </p:attrNameLst>
+                                      </p:cBhvr>
+                                      <p:to>
+                                        <p:strVal val="visible"/>
+                                      </p:to>
+                                    </p:set>
+                                    <p:anim calcmode="lin" valueType="num">
+                                      <p:cBhvr>
+                                        <p:cTn id="7" dur="500" fill="hold"/>
+                                        <p:tgtEl>
+                                          <p:spTgt spid="9"/>
+                                        </p:tgtEl>
+                                        <p:attrNameLst>
+                                          <p:attrName>ppt_w</p:attrName>
+                                        </p:attrNameLst>
+                                      </p:cBhvr>
+                                      <p:tavLst>
+                                        <p:tav tm="0">
+                                          <p:val>
+                                            <p:fltVal val="0"/>
+                                          </p:val>
+                                        </p:tav>
+                                        <p:tav tm="100000">
+                                          <p:val>
+                                            <p:strVal val="#ppt_w"/>
+                                          </p:val>
+                                        </p:tav>
+                                      </p:tavLst>
+                                    </p:anim>
+                                    <p:anim calcmode="lin" valueType="num">
+                                      <p:cBhvr>
+                                        <p:cTn id="8" dur="500" fill="hold"/>
+                                        <p:tgtEl>
+                                          <p:spTgt spid="9"/>
+                                        </p:tgtEl>
+                                        <p:attrNameLst>
+                                          <p:attrName>ppt_h</p:attrName>
+                                        </p:attrNameLst>
+                                      </p:cBhvr>
+                                      <p:tavLst>
+                                        <p:tav tm="0">
+                                          <p:val>
+                                            <p:fltVal val="0"/>
+                                          </p:val>
+                                        </p:tav>
+                                        <p:tav tm="100000">
+                                          <p:val>
+                                            <p:strVal val="#ppt_h"/>
+                                          </p:val>
+                                        </p:tav>
+                                      </p:tavLst>
+                                    </p:anim>
+                                    <p:animEffect transition="in" filter="fade">
+                                      <p:cBhvr>
+                                        <p:cTn id="9" dur="500"/>
+                                        <p:tgtEl>
+                                          <p:spTgt spid="9"/>
+                                        </p:tgtEl>
+                                      </p:cBhvr>
+                                    </p:animEffect>
+                                  </p:childTnLst>
+                                </p:cTn>
+                              </p:par>
+                            </p:childTnLst>
+                          </p:cTn>
+                        </p:par>
+                      </p:childTnLst>
+                    </p:cTn>
+                  </p:par>
+                  <p:par>
+                    <p:cTn id="10" fill="hold">
+                      <p:stCondLst>
+                        <p:cond delay="indefinite"/>
+                      </p:stCondLst>
+                      <p:childTnLst>
+                        <p:par>
+                          <p:cTn id="11" fill="hold">
+                            <p:stCondLst>
+                              <p:cond delay="0"/>
+                            </p:stCondLst>
+                            <p:childTnLst>
+                              <p:par>
+                                <p:cTn id="12" presetID="53" presetClass="exit" presetSubtype="32" fill="hold" nodeType="clickEffect">
+                                  <p:stCondLst>
+                                    <p:cond delay="0"/>
+                                  </p:stCondLst>
+                                  <p:childTnLst>
+                                    <p:anim calcmode="lin" valueType="num">
+                                      <p:cBhvr>
+                                        <p:cTn id="13" dur="500"/>
+                                        <p:tgtEl>
+                                          <p:spTgt spid="9"/>
+                                        </p:tgtEl>
+                                        <p:attrNameLst>
+                                          <p:attrName>ppt_w</p:attrName>
+                                        </p:attrNameLst>
+                                      </p:cBhvr>
+                                      <p:tavLst>
+                                        <p:tav tm="0">
+                                          <p:val>
+                                            <p:strVal val="ppt_w"/>
+                                          </p:val>
+                                        </p:tav>
+                                        <p:tav tm="100000">
+                                          <p:val>
+                                            <p:fltVal val="0"/>
+                                          </p:val>
+                                        </p:tav>
+                                      </p:tavLst>
+                                    </p:anim>
+                                    <p:anim calcmode="lin" valueType="num">
+                                      <p:cBhvr>
+                                        <p:cTn id="14" dur="500"/>
+                                        <p:tgtEl>
+                                          <p:spTgt spid="9"/>
+                                        </p:tgtEl>
+                                        <p:attrNameLst>
+                                          <p:attrName>ppt_h</p:attrName>
+                                        </p:attrNameLst>
+                                      </p:cBhvr>
+                                      <p:tavLst>
+                                        <p:tav tm="0">
+                                          <p:val>
+                                            <p:strVal val="ppt_h"/>
+                                          </p:val>
+                                        </p:tav>
+                                        <p:tav tm="100000">
+                                          <p:val>
+                                            <p:fltVal val="0"/>
+                                          </p:val>
+                                        </p:tav>
+                                      </p:tavLst>
+                                    </p:anim>
+                                    <p:animEffect transition="out" filter="fade">
+                                      <p:cBhvr>
+                                        <p:cTn id="15" dur="500"/>
+                                        <p:tgtEl>
+                                          <p:spTgt spid="9"/>
+                                        </p:tgtEl>
+                                      </p:cBhvr>
+                                    </p:animEffect>
+                                    <p:set>
+                                      <p:cBhvr>
+                                        <p:cTn id="16" dur="1" fill="hold">
+                                          <p:stCondLst>
+                                            <p:cond delay="499"/>
+                                          </p:stCondLst>
+                                        </p:cTn>
+                                        <p:tgtEl>
+                                          <p:spTgt spid="9"/>
+                                        </p:tgtEl>
+                                        <p:attrNameLst>
+                                          <p:attrName>style.visibility</p:attrName>
+                                        </p:attrNameLst>
+                                      </p:cBhvr>
+                                      <p:to>
+                                        <p:strVal val="hidden"/>
+                                      </p:to>
+                                    </p:set>
+                                  </p:childTnLst>
+                                </p:cTn>
+                              </p:par>
+                            </p:childTnLst>
+                          </p:cTn>
+                        </p:par>
+                      </p:childTnLst>
+                    </p:cTn>
+                  </p:par>
+                  <p:par>
+                    <p:cTn id="17" fill="hold">
+                      <p:stCondLst>
+                        <p:cond delay="indefinite"/>
+                      </p:stCondLst>
+                      <p:childTnLst>
+                        <p:par>
+                          <p:cTn id="18" fill="hold">
+                            <p:stCondLst>
+                              <p:cond delay="0"/>
+                            </p:stCondLst>
+                            <p:childTnLst>
+                              <p:par>
+                                <p:cTn id="19" presetID="53" presetClass="entr" presetSubtype="16" fill="hold" nodeType="clickEffect">
+                                  <p:stCondLst>
+                                    <p:cond delay="0"/>
+                                  </p:stCondLst>
+                                  <p:childTnLst>
+                                    <p:set>
+                                      <p:cBhvr>
+                                        <p:cTn id="20" dur="1" fill="hold">
+                                          <p:stCondLst>
+                                            <p:cond delay="0"/>
+                                          </p:stCondLst>
+                                        </p:cTn>
+                                        <p:tgtEl>
+                                          <p:spTgt spid="1026"/>
+                                        </p:tgtEl>
+                                        <p:attrNameLst>
+                                          <p:attrName>style.visibility</p:attrName>
+                                        </p:attrNameLst>
+                                      </p:cBhvr>
+                                      <p:to>
+                                        <p:strVal val="visible"/>
+                                      </p:to>
+                                    </p:set>
+                                    <p:anim calcmode="lin" valueType="num">
+                                      <p:cBhvr>
+                                        <p:cTn id="21" dur="500" fill="hold"/>
+                                        <p:tgtEl>
+                                          <p:spTgt spid="1026"/>
+                                        </p:tgtEl>
+                                        <p:attrNameLst>
+                                          <p:attrName>ppt_w</p:attrName>
+                                        </p:attrNameLst>
+                                      </p:cBhvr>
+                                      <p:tavLst>
+                                        <p:tav tm="0">
+                                          <p:val>
+                                            <p:fltVal val="0"/>
+                                          </p:val>
+                                        </p:tav>
+                                        <p:tav tm="100000">
+                                          <p:val>
+                                            <p:strVal val="#ppt_w"/>
+                                          </p:val>
+                                        </p:tav>
+                                      </p:tavLst>
+                                    </p:anim>
+                                    <p:anim calcmode="lin" valueType="num">
+                                      <p:cBhvr>
+                                        <p:cTn id="22" dur="500" fill="hold"/>
+                                        <p:tgtEl>
+                                          <p:spTgt spid="1026"/>
+                                        </p:tgtEl>
+                                        <p:attrNameLst>
+                                          <p:attrName>ppt_h</p:attrName>
+                                        </p:attrNameLst>
+                                      </p:cBhvr>
+                                      <p:tavLst>
+                                        <p:tav tm="0">
+                                          <p:val>
+                                            <p:fltVal val="0"/>
+                                          </p:val>
+                                        </p:tav>
+                                        <p:tav tm="100000">
+                                          <p:val>
+                                            <p:strVal val="#ppt_h"/>
+                                          </p:val>
+                                        </p:tav>
+                                      </p:tavLst>
+                                    </p:anim>
+                                    <p:animEffect transition="in" filter="fade">
+                                      <p:cBhvr>
+                                        <p:cTn id="23" dur="500"/>
+                                        <p:tgtEl>
+                                          <p:spTgt spid="1026"/>
+                                        </p:tgtEl>
+                                      </p:cBhvr>
+                                    </p:animEffect>
+                                  </p:childTnLst>
+                                </p:cTn>
+                              </p:par>
+                            </p:childTnLst>
+                          </p:cTn>
+                        </p:par>
+                      </p:childTnLst>
+                    </p:cTn>
+                  </p:par>
+                </p:childTnLst>
+              </p:cTn>
+              <p:prevCondLst>
+                <p:cond evt="onPrev" delay="0">
+                  <p:tgtEl>
+                    <p:sldTgt/>
+                  </p:tgtEl>
+                </p:cond>
+              </p:prevCondLst>
+              <p:nextCondLst>
+                <p:cond evt="onNext" delay="0">
+                  <p:tgtEl>
+                    <p:sldTgt/>
+                  </p:tgtEl>
+                </p:cond>
+              </p:nextCondLst>
+            </p:seq>
+          </p:childTnLst>
+        </p:cTn>
+      </p:par>
+    </p:tnLst>
+  </p:timing>
+</p:sld>
+</file>
+
+<file path=ppt/slides/slide51.xml><?xml version="1.0" encoding="utf-8"?>
 <p:sld xmlns:a="http://schemas.openxmlformats.org/drawingml/2006/main" xmlns:r="http://schemas.openxmlformats.org/officeDocument/2006/relationships" xmlns:p="http://schemas.openxmlformats.org/presentationml/2006/main">
   <p:cSld>
     <p:spTree>
@@ -38118,7 +38600,7 @@
 </p:sld>
 </file>
 
-<file path=ppt/slides/slide51.xml><?xml version="1.0" encoding="utf-8"?>
+<file path=ppt/slides/slide52.xml><?xml version="1.0" encoding="utf-8"?>
 <p:sld xmlns:a="http://schemas.openxmlformats.org/drawingml/2006/main" xmlns:r="http://schemas.openxmlformats.org/officeDocument/2006/relationships" xmlns:p="http://schemas.openxmlformats.org/presentationml/2006/main">
   <p:cSld>
     <p:spTree>
@@ -38529,7 +39011,7 @@
 </p:sld>
 </file>
 
-<file path=ppt/slides/slide52.xml><?xml version="1.0" encoding="utf-8"?>
+<file path=ppt/slides/slide53.xml><?xml version="1.0" encoding="utf-8"?>
 <p:sld xmlns:a="http://schemas.openxmlformats.org/drawingml/2006/main" xmlns:r="http://schemas.openxmlformats.org/officeDocument/2006/relationships" xmlns:p="http://schemas.openxmlformats.org/presentationml/2006/main">
   <p:cSld>
     <p:spTree>
@@ -38617,6 +39099,18 @@
               </a:lnSpc>
             </a:pPr>
             <a:r>
+              <a:rPr lang="en-US" altLang="zh-CN" sz="1600" smtClean="0">
+                <a:solidFill>
+                  <a:schemeClr val="accent5">
+                    <a:lumMod val="75000"/>
+                  </a:schemeClr>
+                </a:solidFill>
+                <a:latin typeface="微软雅黑" pitchFamily="34" charset="-122"/>
+                <a:ea typeface="微软雅黑" pitchFamily="34" charset="-122"/>
+              </a:rPr>
+              <a:t>《</a:t>
+            </a:r>
+            <a:r>
               <a:rPr lang="zh-CN" altLang="en-US" sz="1600" smtClean="0">
                 <a:solidFill>
                   <a:schemeClr val="accent5">
@@ -38626,7 +39120,43 @@
                 <a:latin typeface="微软雅黑" pitchFamily="34" charset="-122"/>
                 <a:ea typeface="微软雅黑" pitchFamily="34" charset="-122"/>
               </a:rPr>
-              <a:t>作为随堂练习。</a:t>
+              <a:t>随</a:t>
+            </a:r>
+            <a:r>
+              <a:rPr lang="zh-CN" altLang="en-US" sz="1600" smtClean="0">
+                <a:solidFill>
+                  <a:schemeClr val="accent5">
+                    <a:lumMod val="75000"/>
+                  </a:schemeClr>
+                </a:solidFill>
+                <a:latin typeface="微软雅黑" pitchFamily="34" charset="-122"/>
+                <a:ea typeface="微软雅黑" pitchFamily="34" charset="-122"/>
+              </a:rPr>
+              <a:t>堂</a:t>
+            </a:r>
+            <a:r>
+              <a:rPr lang="zh-CN" altLang="en-US" sz="1600" smtClean="0">
+                <a:solidFill>
+                  <a:schemeClr val="accent5">
+                    <a:lumMod val="75000"/>
+                  </a:schemeClr>
+                </a:solidFill>
+                <a:latin typeface="微软雅黑" pitchFamily="34" charset="-122"/>
+                <a:ea typeface="微软雅黑" pitchFamily="34" charset="-122"/>
+              </a:rPr>
+              <a:t>练习</a:t>
+            </a:r>
+            <a:r>
+              <a:rPr lang="en-US" altLang="zh-CN" sz="1600" smtClean="0">
+                <a:solidFill>
+                  <a:schemeClr val="accent5">
+                    <a:lumMod val="75000"/>
+                  </a:schemeClr>
+                </a:solidFill>
+                <a:latin typeface="微软雅黑" pitchFamily="34" charset="-122"/>
+                <a:ea typeface="微软雅黑" pitchFamily="34" charset="-122"/>
+              </a:rPr>
+              <a:t>》</a:t>
             </a:r>
             <a:endParaRPr lang="en-US" altLang="zh-CN" sz="1600">
               <a:solidFill>
@@ -38883,7 +39413,625 @@
 </p:sld>
 </file>
 
-<file path=ppt/slides/slide53.xml><?xml version="1.0" encoding="utf-8"?>
+<file path=ppt/slides/slide54.xml><?xml version="1.0" encoding="utf-8"?>
+<p:sld xmlns:a="http://schemas.openxmlformats.org/drawingml/2006/main" xmlns:r="http://schemas.openxmlformats.org/officeDocument/2006/relationships" xmlns:p="http://schemas.openxmlformats.org/presentationml/2006/main">
+  <p:cSld>
+    <p:spTree>
+      <p:nvGrpSpPr>
+        <p:cNvPr id="1" name=""/>
+        <p:cNvGrpSpPr/>
+        <p:nvPr/>
+      </p:nvGrpSpPr>
+      <p:grpSpPr>
+        <a:xfrm>
+          <a:off x="0" y="0"/>
+          <a:ext cx="0" cy="0"/>
+          <a:chOff x="0" y="0"/>
+          <a:chExt cx="0" cy="0"/>
+        </a:xfrm>
+      </p:grpSpPr>
+      <p:sp>
+        <p:nvSpPr>
+          <p:cNvPr id="3" name="직사각형 3"/>
+          <p:cNvSpPr/>
+          <p:nvPr/>
+        </p:nvSpPr>
+        <p:spPr>
+          <a:xfrm flipH="1">
+            <a:off x="-6" y="0"/>
+            <a:ext cx="9143995" cy="692696"/>
+          </a:xfrm>
+          <a:prstGeom prst="rect">
+            <a:avLst/>
+          </a:prstGeom>
+          <a:gradFill flip="none" rotWithShape="1">
+            <a:gsLst>
+              <a:gs pos="10000">
+                <a:schemeClr val="bg1">
+                  <a:alpha val="6000"/>
+                </a:schemeClr>
+              </a:gs>
+              <a:gs pos="0">
+                <a:schemeClr val="bg1">
+                  <a:alpha val="0"/>
+                </a:schemeClr>
+              </a:gs>
+              <a:gs pos="47000">
+                <a:schemeClr val="tx1">
+                  <a:gamma/>
+                  <a:tint val="0"/>
+                  <a:invGamma/>
+                  <a:alpha val="80000"/>
+                </a:schemeClr>
+              </a:gs>
+            </a:gsLst>
+            <a:lin ang="10800000" scaled="1"/>
+            <a:tileRect/>
+          </a:gradFill>
+          <a:ln>
+            <a:noFill/>
+          </a:ln>
+        </p:spPr>
+        <p:style>
+          <a:lnRef idx="2">
+            <a:schemeClr val="accent1">
+              <a:shade val="50000"/>
+            </a:schemeClr>
+          </a:lnRef>
+          <a:fillRef idx="1">
+            <a:schemeClr val="accent1"/>
+          </a:fillRef>
+          <a:effectRef idx="0">
+            <a:schemeClr val="accent1"/>
+          </a:effectRef>
+          <a:fontRef idx="minor">
+            <a:schemeClr val="lt1"/>
+          </a:fontRef>
+        </p:style>
+        <p:txBody>
+          <a:bodyPr anchor="ctr"/>
+          <a:lstStyle/>
+          <a:p>
+            <a:pPr indent="682625">
+              <a:defRPr/>
+            </a:pPr>
+            <a:r>
+              <a:rPr lang="en-US" altLang="zh-CN" sz="2400" smtClean="0">
+                <a:solidFill>
+                  <a:srgbClr val="0070C0"/>
+                </a:solidFill>
+                <a:latin typeface="微软雅黑" pitchFamily="34" charset="-122"/>
+                <a:ea typeface="微软雅黑" pitchFamily="34" charset="-122"/>
+              </a:rPr>
+              <a:t>HTML</a:t>
+            </a:r>
+            <a:r>
+              <a:rPr lang="zh-CN" altLang="en-US" sz="2400" smtClean="0">
+                <a:solidFill>
+                  <a:srgbClr val="0070C0"/>
+                </a:solidFill>
+                <a:latin typeface="微软雅黑" pitchFamily="34" charset="-122"/>
+                <a:ea typeface="微软雅黑" pitchFamily="34" charset="-122"/>
+              </a:rPr>
+              <a:t>解析相关库的介绍</a:t>
+            </a:r>
+            <a:endParaRPr lang="ko-KR" altLang="en-US" sz="2400">
+              <a:solidFill>
+                <a:srgbClr val="0070C0"/>
+              </a:solidFill>
+              <a:latin typeface="微软雅黑" pitchFamily="34" charset="-122"/>
+            </a:endParaRPr>
+          </a:p>
+        </p:txBody>
+      </p:sp>
+      <p:sp>
+        <p:nvSpPr>
+          <p:cNvPr id="4" name="TextBox 1"/>
+          <p:cNvSpPr txBox="1">
+            <a:spLocks noChangeArrowheads="1"/>
+          </p:cNvSpPr>
+          <p:nvPr/>
+        </p:nvSpPr>
+        <p:spPr bwMode="auto">
+          <a:xfrm>
+            <a:off x="7452320" y="53960"/>
+            <a:ext cx="1440160" cy="584775"/>
+          </a:xfrm>
+          <a:prstGeom prst="rect">
+            <a:avLst/>
+          </a:prstGeom>
+          <a:noFill/>
+          <a:ln w="9525">
+            <a:noFill/>
+            <a:miter lim="800000"/>
+            <a:headEnd/>
+            <a:tailEnd/>
+          </a:ln>
+        </p:spPr>
+        <p:txBody>
+          <a:bodyPr wrap="square">
+            <a:spAutoFit/>
+          </a:bodyPr>
+          <a:lstStyle/>
+          <a:p>
+            <a:pPr algn="r"/>
+            <a:r>
+              <a:rPr lang="zh-CN" altLang="en-US" sz="3200" b="1" smtClean="0">
+                <a:solidFill>
+                  <a:schemeClr val="accent5">
+                    <a:lumMod val="50000"/>
+                  </a:schemeClr>
+                </a:solidFill>
+                <a:latin typeface="微软雅黑" pitchFamily="34" charset="-122"/>
+                <a:ea typeface="微软雅黑" pitchFamily="34" charset="-122"/>
+                <a:cs typeface="Arial" pitchFamily="34" charset="0"/>
+              </a:rPr>
+              <a:t>第四课</a:t>
+            </a:r>
+            <a:endParaRPr lang="en-US" altLang="ko-KR" sz="3200" b="1" dirty="0" smtClean="0">
+              <a:solidFill>
+                <a:schemeClr val="accent5">
+                  <a:lumMod val="50000"/>
+                </a:schemeClr>
+              </a:solidFill>
+              <a:latin typeface="微软雅黑" pitchFamily="34" charset="-122"/>
+              <a:ea typeface="微软雅黑" pitchFamily="34" charset="-122"/>
+              <a:cs typeface="Arial" pitchFamily="34" charset="0"/>
+            </a:endParaRPr>
+          </a:p>
+        </p:txBody>
+      </p:sp>
+      <p:sp>
+        <p:nvSpPr>
+          <p:cNvPr id="5" name="TextBox 4"/>
+          <p:cNvSpPr txBox="1"/>
+          <p:nvPr/>
+        </p:nvSpPr>
+        <p:spPr>
+          <a:xfrm>
+            <a:off x="683568" y="908720"/>
+            <a:ext cx="7776864" cy="2123658"/>
+          </a:xfrm>
+          <a:prstGeom prst="rect">
+            <a:avLst/>
+          </a:prstGeom>
+          <a:noFill/>
+        </p:spPr>
+        <p:txBody>
+          <a:bodyPr wrap="square" rtlCol="0">
+            <a:spAutoFit/>
+          </a:bodyPr>
+          <a:lstStyle/>
+          <a:p>
+            <a:pPr>
+              <a:lnSpc>
+                <a:spcPct val="200000"/>
+              </a:lnSpc>
+            </a:pPr>
+            <a:r>
+              <a:rPr lang="zh-CN" altLang="en-US" b="1" smtClean="0">
+                <a:solidFill>
+                  <a:schemeClr val="accent5">
+                    <a:lumMod val="50000"/>
+                  </a:schemeClr>
+                </a:solidFill>
+                <a:latin typeface="微软雅黑" pitchFamily="34" charset="-122"/>
+                <a:ea typeface="微软雅黑" pitchFamily="34" charset="-122"/>
+              </a:rPr>
+              <a:t>课程纲要</a:t>
+            </a:r>
+            <a:endParaRPr lang="en-US" altLang="zh-CN" b="1" smtClean="0">
+              <a:solidFill>
+                <a:schemeClr val="accent5">
+                  <a:lumMod val="50000"/>
+                </a:schemeClr>
+              </a:solidFill>
+              <a:latin typeface="微软雅黑" pitchFamily="34" charset="-122"/>
+              <a:ea typeface="微软雅黑" pitchFamily="34" charset="-122"/>
+            </a:endParaRPr>
+          </a:p>
+          <a:p>
+            <a:pPr marL="342900" indent="-342900">
+              <a:lnSpc>
+                <a:spcPct val="150000"/>
+              </a:lnSpc>
+              <a:buFont typeface="+mj-lt"/>
+              <a:buAutoNum type="arabicPeriod"/>
+            </a:pPr>
+            <a:r>
+              <a:rPr lang="zh-CN" altLang="en-US" sz="1600" smtClean="0">
+                <a:solidFill>
+                  <a:schemeClr val="accent5">
+                    <a:lumMod val="75000"/>
+                  </a:schemeClr>
+                </a:solidFill>
+                <a:latin typeface="微软雅黑" pitchFamily="34" charset="-122"/>
+                <a:ea typeface="微软雅黑" pitchFamily="34" charset="-122"/>
+              </a:rPr>
+              <a:t>正则表达式练习</a:t>
+            </a:r>
+            <a:endParaRPr lang="en-US" altLang="zh-CN" sz="1600" smtClean="0">
+              <a:solidFill>
+                <a:schemeClr val="accent5">
+                  <a:lumMod val="75000"/>
+                </a:schemeClr>
+              </a:solidFill>
+              <a:latin typeface="微软雅黑" pitchFamily="34" charset="-122"/>
+              <a:ea typeface="微软雅黑" pitchFamily="34" charset="-122"/>
+            </a:endParaRPr>
+          </a:p>
+          <a:p>
+            <a:pPr marL="342900" indent="-342900">
+              <a:lnSpc>
+                <a:spcPct val="150000"/>
+              </a:lnSpc>
+              <a:buFont typeface="+mj-lt"/>
+              <a:buAutoNum type="arabicPeriod"/>
+            </a:pPr>
+            <a:r>
+              <a:rPr lang="en-US" altLang="zh-CN" sz="1600" smtClean="0">
+                <a:solidFill>
+                  <a:schemeClr val="accent5">
+                    <a:lumMod val="75000"/>
+                  </a:schemeClr>
+                </a:solidFill>
+                <a:latin typeface="微软雅黑" pitchFamily="34" charset="-122"/>
+                <a:ea typeface="微软雅黑" pitchFamily="34" charset="-122"/>
+              </a:rPr>
+              <a:t>XPath</a:t>
+            </a:r>
+            <a:r>
+              <a:rPr lang="zh-CN" altLang="en-US" sz="1600" smtClean="0">
+                <a:solidFill>
+                  <a:schemeClr val="accent5">
+                    <a:lumMod val="75000"/>
+                  </a:schemeClr>
+                </a:solidFill>
+                <a:latin typeface="微软雅黑" pitchFamily="34" charset="-122"/>
+                <a:ea typeface="微软雅黑" pitchFamily="34" charset="-122"/>
+              </a:rPr>
+              <a:t>解析库的使用</a:t>
+            </a:r>
+            <a:endParaRPr lang="en-US" altLang="zh-CN" sz="1600" smtClean="0">
+              <a:solidFill>
+                <a:schemeClr val="accent5">
+                  <a:lumMod val="75000"/>
+                </a:schemeClr>
+              </a:solidFill>
+              <a:latin typeface="微软雅黑" pitchFamily="34" charset="-122"/>
+              <a:ea typeface="微软雅黑" pitchFamily="34" charset="-122"/>
+            </a:endParaRPr>
+          </a:p>
+          <a:p>
+            <a:pPr marL="342900" indent="-342900">
+              <a:lnSpc>
+                <a:spcPct val="150000"/>
+              </a:lnSpc>
+              <a:buFont typeface="+mj-lt"/>
+              <a:buAutoNum type="arabicPeriod"/>
+            </a:pPr>
+            <a:r>
+              <a:rPr lang="en-US" altLang="zh-CN" sz="1600" smtClean="0">
+                <a:solidFill>
+                  <a:schemeClr val="accent5">
+                    <a:lumMod val="75000"/>
+                  </a:schemeClr>
+                </a:solidFill>
+                <a:latin typeface="微软雅黑" pitchFamily="34" charset="-122"/>
+                <a:ea typeface="微软雅黑" pitchFamily="34" charset="-122"/>
+              </a:rPr>
+              <a:t>CSS</a:t>
+            </a:r>
+            <a:r>
+              <a:rPr lang="zh-CN" altLang="en-US" sz="1600">
+                <a:solidFill>
+                  <a:schemeClr val="accent5">
+                    <a:lumMod val="75000"/>
+                  </a:schemeClr>
+                </a:solidFill>
+                <a:latin typeface="微软雅黑" pitchFamily="34" charset="-122"/>
+                <a:ea typeface="微软雅黑" pitchFamily="34" charset="-122"/>
+              </a:rPr>
+              <a:t>选择</a:t>
+            </a:r>
+            <a:r>
+              <a:rPr lang="zh-CN" altLang="en-US" sz="1600" smtClean="0">
+                <a:solidFill>
+                  <a:schemeClr val="accent5">
+                    <a:lumMod val="75000"/>
+                  </a:schemeClr>
+                </a:solidFill>
+                <a:latin typeface="微软雅黑" pitchFamily="34" charset="-122"/>
+                <a:ea typeface="微软雅黑" pitchFamily="34" charset="-122"/>
+              </a:rPr>
+              <a:t>器之</a:t>
+            </a:r>
+            <a:r>
+              <a:rPr lang="en-US" altLang="zh-CN" sz="1600" smtClean="0">
+                <a:solidFill>
+                  <a:schemeClr val="accent5">
+                    <a:lumMod val="75000"/>
+                  </a:schemeClr>
+                </a:solidFill>
+                <a:latin typeface="微软雅黑" pitchFamily="34" charset="-122"/>
+                <a:ea typeface="微软雅黑" pitchFamily="34" charset="-122"/>
+              </a:rPr>
+              <a:t>pyquery</a:t>
+            </a:r>
+            <a:r>
+              <a:rPr lang="zh-CN" altLang="en-US" sz="1600" smtClean="0">
+                <a:solidFill>
+                  <a:schemeClr val="accent5">
+                    <a:lumMod val="75000"/>
+                  </a:schemeClr>
+                </a:solidFill>
+                <a:latin typeface="微软雅黑" pitchFamily="34" charset="-122"/>
+                <a:ea typeface="微软雅黑" pitchFamily="34" charset="-122"/>
+              </a:rPr>
+              <a:t>库的使用</a:t>
+            </a:r>
+            <a:endParaRPr lang="en-US" altLang="zh-CN" sz="1600" smtClean="0">
+              <a:solidFill>
+                <a:schemeClr val="accent5">
+                  <a:lumMod val="75000"/>
+                </a:schemeClr>
+              </a:solidFill>
+              <a:latin typeface="微软雅黑" pitchFamily="34" charset="-122"/>
+              <a:ea typeface="微软雅黑" pitchFamily="34" charset="-122"/>
+            </a:endParaRPr>
+          </a:p>
+          <a:p>
+            <a:pPr marL="342900" indent="-342900">
+              <a:lnSpc>
+                <a:spcPct val="150000"/>
+              </a:lnSpc>
+              <a:buFont typeface="+mj-lt"/>
+              <a:buAutoNum type="arabicPeriod"/>
+            </a:pPr>
+            <a:r>
+              <a:rPr lang="en-US" altLang="zh-CN" sz="1600" smtClean="0">
+                <a:solidFill>
+                  <a:schemeClr val="accent5">
+                    <a:lumMod val="75000"/>
+                  </a:schemeClr>
+                </a:solidFill>
+                <a:latin typeface="微软雅黑" pitchFamily="34" charset="-122"/>
+                <a:ea typeface="微软雅黑" pitchFamily="34" charset="-122"/>
+              </a:rPr>
+              <a:t>HTML</a:t>
+            </a:r>
+            <a:r>
+              <a:rPr lang="zh-CN" altLang="en-US" sz="1600" smtClean="0">
+                <a:solidFill>
+                  <a:schemeClr val="accent5">
+                    <a:lumMod val="75000"/>
+                  </a:schemeClr>
+                </a:solidFill>
+                <a:latin typeface="微软雅黑" pitchFamily="34" charset="-122"/>
+                <a:ea typeface="微软雅黑" pitchFamily="34" charset="-122"/>
+              </a:rPr>
+              <a:t>页面抓取练习</a:t>
+            </a:r>
+            <a:endParaRPr lang="en-US" altLang="zh-CN" sz="1600" smtClean="0">
+              <a:solidFill>
+                <a:schemeClr val="accent5">
+                  <a:lumMod val="75000"/>
+                </a:schemeClr>
+              </a:solidFill>
+              <a:latin typeface="微软雅黑" pitchFamily="34" charset="-122"/>
+              <a:ea typeface="微软雅黑" pitchFamily="34" charset="-122"/>
+            </a:endParaRPr>
+          </a:p>
+        </p:txBody>
+      </p:sp>
+    </p:spTree>
+    <p:extLst>
+      <p:ext uri="{BB962C8B-B14F-4D97-AF65-F5344CB8AC3E}">
+        <p14:creationId xmlns:p14="http://schemas.microsoft.com/office/powerpoint/2010/main" val="498013334"/>
+      </p:ext>
+    </p:extLst>
+  </p:cSld>
+  <p:clrMapOvr>
+    <a:masterClrMapping/>
+  </p:clrMapOvr>
+  <p:timing>
+    <p:tnLst>
+      <p:par>
+        <p:cTn id="1" dur="indefinite" restart="never" nodeType="tmRoot">
+          <p:childTnLst>
+            <p:seq concurrent="1" nextAc="seek">
+              <p:cTn id="2" dur="indefinite" nodeType="mainSeq">
+                <p:childTnLst>
+                  <p:par>
+                    <p:cTn id="3" fill="hold">
+                      <p:stCondLst>
+                        <p:cond delay="indefinite"/>
+                      </p:stCondLst>
+                      <p:childTnLst>
+                        <p:par>
+                          <p:cTn id="4" fill="hold">
+                            <p:stCondLst>
+                              <p:cond delay="0"/>
+                            </p:stCondLst>
+                            <p:childTnLst>
+                              <p:par>
+                                <p:cTn id="5" presetID="14" presetClass="entr" presetSubtype="10" fill="hold" grpId="0" nodeType="clickEffect">
+                                  <p:stCondLst>
+                                    <p:cond delay="0"/>
+                                  </p:stCondLst>
+                                  <p:childTnLst>
+                                    <p:set>
+                                      <p:cBhvr>
+                                        <p:cTn id="6" dur="1" fill="hold">
+                                          <p:stCondLst>
+                                            <p:cond delay="0"/>
+                                          </p:stCondLst>
+                                        </p:cTn>
+                                        <p:tgtEl>
+                                          <p:spTgt spid="3"/>
+                                        </p:tgtEl>
+                                        <p:attrNameLst>
+                                          <p:attrName>style.visibility</p:attrName>
+                                        </p:attrNameLst>
+                                      </p:cBhvr>
+                                      <p:to>
+                                        <p:strVal val="visible"/>
+                                      </p:to>
+                                    </p:set>
+                                    <p:animEffect transition="in" filter="randombar(horizontal)">
+                                      <p:cBhvr>
+                                        <p:cTn id="7" dur="500"/>
+                                        <p:tgtEl>
+                                          <p:spTgt spid="3"/>
+                                        </p:tgtEl>
+                                      </p:cBhvr>
+                                    </p:animEffect>
+                                  </p:childTnLst>
+                                </p:cTn>
+                              </p:par>
+                            </p:childTnLst>
+                          </p:cTn>
+                        </p:par>
+                      </p:childTnLst>
+                    </p:cTn>
+                  </p:par>
+                  <p:par>
+                    <p:cTn id="8" fill="hold">
+                      <p:stCondLst>
+                        <p:cond delay="indefinite"/>
+                      </p:stCondLst>
+                      <p:childTnLst>
+                        <p:par>
+                          <p:cTn id="9" fill="hold">
+                            <p:stCondLst>
+                              <p:cond delay="0"/>
+                            </p:stCondLst>
+                            <p:childTnLst>
+                              <p:par>
+                                <p:cTn id="10" presetID="16" presetClass="entr" presetSubtype="21" fill="hold" grpId="0" nodeType="clickEffect">
+                                  <p:stCondLst>
+                                    <p:cond delay="0"/>
+                                  </p:stCondLst>
+                                  <p:childTnLst>
+                                    <p:set>
+                                      <p:cBhvr>
+                                        <p:cTn id="11" dur="1" fill="hold">
+                                          <p:stCondLst>
+                                            <p:cond delay="0"/>
+                                          </p:stCondLst>
+                                        </p:cTn>
+                                        <p:tgtEl>
+                                          <p:spTgt spid="4"/>
+                                        </p:tgtEl>
+                                        <p:attrNameLst>
+                                          <p:attrName>style.visibility</p:attrName>
+                                        </p:attrNameLst>
+                                      </p:cBhvr>
+                                      <p:to>
+                                        <p:strVal val="visible"/>
+                                      </p:to>
+                                    </p:set>
+                                    <p:animEffect transition="in" filter="barn(inVertical)">
+                                      <p:cBhvr>
+                                        <p:cTn id="12" dur="500"/>
+                                        <p:tgtEl>
+                                          <p:spTgt spid="4"/>
+                                        </p:tgtEl>
+                                      </p:cBhvr>
+                                    </p:animEffect>
+                                  </p:childTnLst>
+                                </p:cTn>
+                              </p:par>
+                            </p:childTnLst>
+                          </p:cTn>
+                        </p:par>
+                      </p:childTnLst>
+                    </p:cTn>
+                  </p:par>
+                  <p:par>
+                    <p:cTn id="13" fill="hold">
+                      <p:stCondLst>
+                        <p:cond delay="indefinite"/>
+                      </p:stCondLst>
+                      <p:childTnLst>
+                        <p:par>
+                          <p:cTn id="14" fill="hold">
+                            <p:stCondLst>
+                              <p:cond delay="0"/>
+                            </p:stCondLst>
+                            <p:childTnLst>
+                              <p:par>
+                                <p:cTn id="15" presetID="14" presetClass="entr" presetSubtype="10" fill="hold" grpId="0" nodeType="clickEffect">
+                                  <p:stCondLst>
+                                    <p:cond delay="0"/>
+                                  </p:stCondLst>
+                                  <p:childTnLst>
+                                    <p:set>
+                                      <p:cBhvr>
+                                        <p:cTn id="16" dur="1" fill="hold">
+                                          <p:stCondLst>
+                                            <p:cond delay="0"/>
+                                          </p:stCondLst>
+                                        </p:cTn>
+                                        <p:tgtEl>
+                                          <p:spTgt spid="5"/>
+                                        </p:tgtEl>
+                                        <p:attrNameLst>
+                                          <p:attrName>style.visibility</p:attrName>
+                                        </p:attrNameLst>
+                                      </p:cBhvr>
+                                      <p:to>
+                                        <p:strVal val="visible"/>
+                                      </p:to>
+                                    </p:set>
+                                    <p:animEffect transition="in" filter="randombar(horizontal)">
+                                      <p:cBhvr>
+                                        <p:cTn id="17" dur="500"/>
+                                        <p:tgtEl>
+                                          <p:spTgt spid="5"/>
+                                        </p:tgtEl>
+                                      </p:cBhvr>
+                                    </p:animEffect>
+                                  </p:childTnLst>
+                                </p:cTn>
+                              </p:par>
+                            </p:childTnLst>
+                          </p:cTn>
+                        </p:par>
+                      </p:childTnLst>
+                    </p:cTn>
+                  </p:par>
+                </p:childTnLst>
+              </p:cTn>
+              <p:prevCondLst>
+                <p:cond evt="onPrev" delay="0">
+                  <p:tgtEl>
+                    <p:sldTgt/>
+                  </p:tgtEl>
+                </p:cond>
+              </p:prevCondLst>
+              <p:nextCondLst>
+                <p:cond evt="onNext" delay="0">
+                  <p:tgtEl>
+                    <p:sldTgt/>
+                  </p:tgtEl>
+                </p:cond>
+              </p:nextCondLst>
+            </p:seq>
+          </p:childTnLst>
+        </p:cTn>
+      </p:par>
+    </p:tnLst>
+    <p:bldLst>
+      <p:bldP spid="3" grpId="0" animBg="1"/>
+      <p:bldP spid="4" grpId="0"/>
+      <p:bldP spid="5" grpId="0"/>
+    </p:bldLst>
+  </p:timing>
+</p:sld>
+</file>
+
+<file path=ppt/slides/slide55.xml><?xml version="1.0" encoding="utf-8"?>
 <p:sld xmlns:a="http://schemas.openxmlformats.org/drawingml/2006/main" xmlns:r="http://schemas.openxmlformats.org/officeDocument/2006/relationships" xmlns:p="http://schemas.openxmlformats.org/presentationml/2006/main">
   <p:cSld>
     <p:spTree>
